--- a/Slides_MICRO56/0.tutorial_introduction.pptx
+++ b/Slides_MICRO56/0.tutorial_introduction.pptx
@@ -224,7 +224,7 @@
           <a:p>
             <a:fld id="{26E932E0-F164-2746-ADA5-4F45859D8893}" type="datetimeFigureOut">
               <a:rPr lang="en-US" smtClean="0"/>
-              <a:t>9/29/22</a:t>
+              <a:t>10/28/23</a:t>
             </a:fld>
             <a:endParaRPr lang="en-US"/>
           </a:p>
@@ -389,7 +389,7 @@
           <a:p>
             <a:fld id="{E44372BE-B13D-B048-A865-72B4BC4A8D17}" type="datetimeFigureOut">
               <a:rPr lang="en-US" smtClean="0"/>
-              <a:t>9/29/22</a:t>
+              <a:t>10/28/23</a:t>
             </a:fld>
             <a:endParaRPr lang="en-US"/>
           </a:p>
@@ -9434,14 +9434,14 @@
             <p:ph idx="1"/>
             <p:extLst>
               <p:ext uri="{D42A27DB-BD31-4B8C-83A1-F6EECF244321}">
-                <p14:modId xmlns:p14="http://schemas.microsoft.com/office/powerpoint/2010/main" val="3510648934"/>
+                <p14:modId xmlns:p14="http://schemas.microsoft.com/office/powerpoint/2010/main" val="1353315558"/>
               </p:ext>
             </p:extLst>
           </p:nvPr>
         </p:nvGraphicFramePr>
         <p:xfrm>
           <a:off x="398463" y="1303338"/>
-          <a:ext cx="8637652" cy="4382150"/>
+          <a:ext cx="8637652" cy="3996093"/>
         </p:xfrm>
         <a:graphic>
           <a:graphicData uri="http://schemas.openxmlformats.org/drawingml/2006/table">
@@ -9580,7 +9580,7 @@
                         <a:rPr lang="en-US" sz="1200" dirty="0">
                           <a:effectLst/>
                         </a:rPr>
-                        <a:t>8:00-8:30</a:t>
+                        <a:t>1:00– 1:30</a:t>
                       </a:r>
                     </a:p>
                   </a:txBody>
@@ -9638,7 +9638,7 @@
                         <a:rPr lang="en-US" sz="1200" dirty="0">
                           <a:effectLst/>
                         </a:rPr>
-                        <a:t>8:30-9:00</a:t>
+                        <a:t>1:30-2:00</a:t>
                       </a:r>
                     </a:p>
                   </a:txBody>
@@ -9690,7 +9690,7 @@
                         <a:rPr lang="en-US" sz="1200" dirty="0">
                           <a:effectLst/>
                         </a:rPr>
-                        <a:t>9:00-10:00</a:t>
+                        <a:t>2:00-3:00</a:t>
                       </a:r>
                     </a:p>
                   </a:txBody>
@@ -9742,7 +9742,7 @@
                         <a:rPr lang="en-US" sz="1200" dirty="0">
                           <a:effectLst/>
                         </a:rPr>
-                        <a:t>10:00-10:20</a:t>
+                        <a:t>3:00-3:30</a:t>
                       </a:r>
                     </a:p>
                   </a:txBody>
@@ -9791,7 +9791,7 @@
                         <a:rPr lang="en-US" sz="1200" dirty="0">
                           <a:effectLst/>
                         </a:rPr>
-                        <a:t>10:20-10:30</a:t>
+                        <a:t>3:30-3:50</a:t>
                       </a:r>
                     </a:p>
                   </a:txBody>
@@ -9806,7 +9806,7 @@
                         <a:rPr lang="en-US" sz="1200" dirty="0">
                           <a:effectLst/>
                         </a:rPr>
-                        <a:t>Introduction of Vortex software stack</a:t>
+                        <a:t>Introduction of Vortex software stack and OpenCL on Vortex</a:t>
                       </a:r>
                     </a:p>
                   </a:txBody>
@@ -9818,11 +9818,26 @@
                     <a:lstStyle/>
                     <a:p>
                       <a:r>
+                        <a:rPr lang="en-US" sz="1200" dirty="0" err="1">
+                          <a:effectLst/>
+                        </a:rPr>
+                        <a:t>Shinnung</a:t>
+                      </a:r>
+                      <a:r>
                         <a:rPr lang="en-US" sz="1200" dirty="0">
                           <a:effectLst/>
                         </a:rPr>
-                        <a:t>Blaise Tine</a:t>
+                        <a:t> </a:t>
                       </a:r>
+                      <a:r>
+                        <a:rPr lang="en-US" sz="1200" dirty="0" err="1">
+                          <a:effectLst/>
+                        </a:rPr>
+                        <a:t>Jeong</a:t>
+                      </a:r>
+                      <a:endParaRPr lang="en-US" sz="1200" dirty="0">
+                        <a:effectLst/>
+                      </a:endParaRPr>
                     </a:p>
                   </a:txBody>
                   <a:tcPr marL="123825" marR="123825" marT="57150" marB="57150" anchor="ctr"/>
@@ -9843,7 +9858,7 @@
                         <a:rPr lang="en-US" sz="1200" dirty="0">
                           <a:effectLst/>
                         </a:rPr>
-                        <a:t>10:30-11:00</a:t>
+                        <a:t>3:50-4:20</a:t>
                       </a:r>
                     </a:p>
                   </a:txBody>
@@ -9858,13 +9873,13 @@
                         <a:rPr lang="en-US" sz="1200" dirty="0" err="1">
                           <a:effectLst/>
                         </a:rPr>
-                        <a:t>CupBop</a:t>
+                        <a:t>Cuda</a:t>
                       </a:r>
                       <a:r>
                         <a:rPr lang="en-US" sz="1200" dirty="0">
                           <a:effectLst/>
                         </a:rPr>
-                        <a:t> Running OpenCL/Cuda on Vortex</a:t>
+                        <a:t> on Vortex</a:t>
                       </a:r>
                     </a:p>
                   </a:txBody>
@@ -9879,14 +9894,23 @@
                         <a:rPr lang="en-US" sz="1200" dirty="0" err="1">
                           <a:effectLst/>
                         </a:rPr>
-                        <a:t>Ruobing</a:t>
+                        <a:t>Chihyo</a:t>
                       </a:r>
                       <a:r>
                         <a:rPr lang="en-US" sz="1200" dirty="0">
                           <a:effectLst/>
                         </a:rPr>
-                        <a:t> Han</a:t>
+                        <a:t> (Mark) </a:t>
                       </a:r>
+                      <a:r>
+                        <a:rPr lang="en-US" sz="1200" dirty="0" err="1">
+                          <a:effectLst/>
+                        </a:rPr>
+                        <a:t>Ahn</a:t>
+                      </a:r>
+                      <a:endParaRPr lang="en-US" sz="1200" dirty="0">
+                        <a:effectLst/>
+                      </a:endParaRPr>
                     </a:p>
                   </a:txBody>
                   <a:tcPr marL="123825" marR="123825" marT="57150" marB="57150" anchor="ctr"/>
@@ -9907,7 +9931,7 @@
                         <a:rPr lang="en-US" sz="1200" dirty="0">
                           <a:effectLst/>
                         </a:rPr>
-                        <a:t>11:00 - 11:10</a:t>
+                        <a:t>4:20 – 4:30</a:t>
                       </a:r>
                     </a:p>
                   </a:txBody>
@@ -9922,7 +9946,7 @@
                         <a:rPr lang="en-US" sz="1200" dirty="0">
                           <a:effectLst/>
                         </a:rPr>
-                        <a:t>Running Vortex on FPGA</a:t>
+                        <a:t>Running Vortex on FPGA &amp; introduction Tutorials </a:t>
                       </a:r>
                     </a:p>
                   </a:txBody>
@@ -9959,7 +9983,7 @@
                         <a:rPr lang="en-US" sz="1200" dirty="0">
                           <a:effectLst/>
                         </a:rPr>
-                        <a:t>11:10-11:30</a:t>
+                        <a:t>4:30—5:00 </a:t>
                       </a:r>
                     </a:p>
                   </a:txBody>
@@ -9974,7 +9998,7 @@
                         <a:rPr lang="en-US" sz="1200" dirty="0">
                           <a:effectLst/>
                         </a:rPr>
-                        <a:t>Tutorial assignments and discussions for academic usages with vortex</a:t>
+                        <a:t>Discussions for academic usages with vortex and Hands-on exercise</a:t>
                       </a:r>
                     </a:p>
                   </a:txBody>
@@ -10004,67 +10028,6 @@
                 <a:extLst>
                   <a:ext uri="{0D108BD9-81ED-4DB2-BD59-A6C34878D82A}">
                     <a16:rowId xmlns:a16="http://schemas.microsoft.com/office/drawing/2014/main" val="1830294729"/>
-                  </a:ext>
-                </a:extLst>
-              </a:tr>
-              <a:tr h="386057">
-                <a:tc>
-                  <a:txBody>
-                    <a:bodyPr/>
-                    <a:lstStyle/>
-                    <a:p>
-                      <a:r>
-                        <a:rPr lang="en-US" sz="1200" dirty="0">
-                          <a:effectLst/>
-                        </a:rPr>
-                        <a:t>11:30-12:-00</a:t>
-                      </a:r>
-                    </a:p>
-                  </a:txBody>
-                  <a:tcPr marL="123825" marR="123825" marT="57150" marB="57150" anchor="ctr"/>
-                </a:tc>
-                <a:tc>
-                  <a:txBody>
-                    <a:bodyPr/>
-                    <a:lstStyle/>
-                    <a:p>
-                      <a:r>
-                        <a:rPr lang="en-US" sz="1200" dirty="0">
-                          <a:effectLst/>
-                        </a:rPr>
-                        <a:t>Drone applications</a:t>
-                      </a:r>
-                    </a:p>
-                  </a:txBody>
-                  <a:tcPr marL="123825" marR="123825" marT="57150" marB="57150" anchor="ctr"/>
-                </a:tc>
-                <a:tc>
-                  <a:txBody>
-                    <a:bodyPr/>
-                    <a:lstStyle/>
-                    <a:p>
-                      <a:r>
-                        <a:rPr lang="en-US" sz="1200" dirty="0">
-                          <a:effectLst/>
-                        </a:rPr>
-                        <a:t>Sam </a:t>
-                      </a:r>
-                      <a:r>
-                        <a:rPr lang="en-US" sz="1200" dirty="0" err="1">
-                          <a:effectLst/>
-                        </a:rPr>
-                        <a:t>Jijina</a:t>
-                      </a:r>
-                      <a:endParaRPr lang="en-US" sz="1200" dirty="0">
-                        <a:effectLst/>
-                      </a:endParaRPr>
-                    </a:p>
-                  </a:txBody>
-                  <a:tcPr marL="123825" marR="123825" marT="57150" marB="57150" anchor="ctr"/>
-                </a:tc>
-                <a:extLst>
-                  <a:ext uri="{0D108BD9-81ED-4DB2-BD59-A6C34878D82A}">
-                    <a16:rowId xmlns:a16="http://schemas.microsoft.com/office/drawing/2014/main" val="3576113525"/>
                   </a:ext>
                 </a:extLst>
               </a:tr>
@@ -10209,6 +10172,30 @@
               </a:rPr>
               <a:t>Option 2: temp accounts during Micro conference </a:t>
             </a:r>
+          </a:p>
+          <a:p>
+            <a:pPr lvl="1"/>
+            <a:r>
+              <a:rPr lang="en-US" sz="2400" dirty="0">
+                <a:ea typeface="+mn-lt"/>
+                <a:cs typeface="+mn-lt"/>
+              </a:rPr>
+              <a:t>Password: </a:t>
+            </a:r>
+            <a:r>
+              <a:rPr lang="en-US" sz="1600" b="0" i="0" dirty="0">
+                <a:effectLst/>
+                <a:latin typeface="-apple-system"/>
+              </a:rPr>
+              <a:t>: vortex@MICRO23</a:t>
+            </a:r>
+          </a:p>
+          <a:p>
+            <a:pPr lvl="1"/>
+            <a:endParaRPr lang="en-US" sz="2400" dirty="0">
+              <a:ea typeface="+mn-lt"/>
+              <a:cs typeface="+mn-lt"/>
+            </a:endParaRPr>
           </a:p>
           <a:p>
             <a:endParaRPr lang="en-US" dirty="0">
@@ -11906,12 +11893,14 @@
 </file>
 
 <file path=customXml/item1.xml><?xml version="1.0" encoding="utf-8"?>
-<?mso-contentType ?>
-<FormTemplates xmlns="http://schemas.microsoft.com/sharepoint/v3/contenttype/forms">
-  <Display>DocumentLibraryForm</Display>
-  <Edit>DocumentLibraryForm</Edit>
-  <New>DocumentLibraryForm</New>
-</FormTemplates>
+<p:properties xmlns:p="http://schemas.microsoft.com/office/2006/metadata/properties" xmlns:xsi="http://www.w3.org/2001/XMLSchema-instance" xmlns:pc="http://schemas.microsoft.com/office/infopath/2007/PartnerControls">
+  <documentManagement>
+    <TaxCatchAll xmlns="703aaed8-5f35-4ebd-8684-7d64e521d80b" xsi:nil="true"/>
+    <lcf76f155ced4ddcb4097134ff3c332f xmlns="f01fee57-14a4-4fb3-a7a7-17af854556b0">
+      <Terms xmlns="http://schemas.microsoft.com/office/infopath/2007/PartnerControls"/>
+    </lcf76f155ced4ddcb4097134ff3c332f>
+  </documentManagement>
+</p:properties>
 </file>
 
 <file path=customXml/item2.xml><?xml version="1.0" encoding="utf-8"?>
@@ -12164,29 +12153,15 @@
 </file>
 
 <file path=customXml/item3.xml><?xml version="1.0" encoding="utf-8"?>
-<p:properties xmlns:p="http://schemas.microsoft.com/office/2006/metadata/properties" xmlns:xsi="http://www.w3.org/2001/XMLSchema-instance" xmlns:pc="http://schemas.microsoft.com/office/infopath/2007/PartnerControls">
-  <documentManagement>
-    <TaxCatchAll xmlns="703aaed8-5f35-4ebd-8684-7d64e521d80b" xsi:nil="true"/>
-    <lcf76f155ced4ddcb4097134ff3c332f xmlns="f01fee57-14a4-4fb3-a7a7-17af854556b0">
-      <Terms xmlns="http://schemas.microsoft.com/office/infopath/2007/PartnerControls"/>
-    </lcf76f155ced4ddcb4097134ff3c332f>
-  </documentManagement>
-</p:properties>
+<?mso-contentType ?>
+<FormTemplates xmlns="http://schemas.microsoft.com/sharepoint/v3/contenttype/forms">
+  <Display>DocumentLibraryForm</Display>
+  <Edit>DocumentLibraryForm</Edit>
+  <New>DocumentLibraryForm</New>
+</FormTemplates>
 </file>
 
 <file path=customXml/itemProps1.xml><?xml version="1.0" encoding="utf-8"?>
-<ds:datastoreItem xmlns:ds="http://schemas.openxmlformats.org/officeDocument/2006/customXml" ds:itemID="{B1D8BB32-E885-4B8F-AC31-D4995907315A}">
-  <ds:schemaRefs>
-    <ds:schemaRef ds:uri="http://schemas.microsoft.com/sharepoint/v3/contenttype/forms"/>
-  </ds:schemaRefs>
-</ds:datastoreItem>
-</file>
-
-<file path=customXml/itemProps2.xml><?xml version="1.0" encoding="utf-8"?>
-<ds:datastoreItem xmlns:ds="http://schemas.openxmlformats.org/officeDocument/2006/customXml" ds:itemID="{759B5832-1F48-4152-90B1-374A191FCBDA}"/>
-</file>
-
-<file path=customXml/itemProps3.xml><?xml version="1.0" encoding="utf-8"?>
 <ds:datastoreItem xmlns:ds="http://schemas.openxmlformats.org/officeDocument/2006/customXml" ds:itemID="{19D0140C-BF33-476E-9327-09381A5C2EEE}">
   <ds:schemaRefs>
     <ds:schemaRef ds:uri="http://schemas.microsoft.com/office/2006/metadata/properties"/>
@@ -12195,4 +12170,16 @@
     <ds:schemaRef ds:uri="f01fee57-14a4-4fb3-a7a7-17af854556b0"/>
   </ds:schemaRefs>
 </ds:datastoreItem>
+</file>
+
+<file path=customXml/itemProps2.xml><?xml version="1.0" encoding="utf-8"?>
+<ds:datastoreItem xmlns:ds="http://schemas.openxmlformats.org/officeDocument/2006/customXml" ds:itemID="{8A0E99B4-E378-4778-BFB6-74C7B7EA7F43}"/>
+</file>
+
+<file path=customXml/itemProps3.xml><?xml version="1.0" encoding="utf-8"?>
+<ds:datastoreItem xmlns:ds="http://schemas.openxmlformats.org/officeDocument/2006/customXml" ds:itemID="{B1D8BB32-E885-4B8F-AC31-D4995907315A}">
+  <ds:schemaRefs>
+    <ds:schemaRef ds:uri="http://schemas.microsoft.com/sharepoint/v3/contenttype/forms"/>
+  </ds:schemaRefs>
+</ds:datastoreItem>
 </file>